--- a/PYTHON_6_Decision Structures.pptx
+++ b/PYTHON_6_Decision Structures.pptx
@@ -297,7 +297,7 @@
           <a:p>
             <a:fld id="{D3853345-A581-455E-9661-1270F4F6E587}" type="datetimeFigureOut">
               <a:rPr lang="en-US" smtClean="0"/>
-              <a:t>6/13/2019</a:t>
+              <a:t>7/7/2019</a:t>
             </a:fld>
             <a:endParaRPr lang="en-US"/>
           </a:p>
@@ -500,7 +500,7 @@
           <a:p>
             <a:fld id="{D3853345-A581-455E-9661-1270F4F6E587}" type="datetimeFigureOut">
               <a:rPr lang="en-US" smtClean="0"/>
-              <a:t>6/13/2019</a:t>
+              <a:t>7/7/2019</a:t>
             </a:fld>
             <a:endParaRPr lang="en-US"/>
           </a:p>
@@ -708,7 +708,7 @@
           <a:p>
             <a:fld id="{D3853345-A581-455E-9661-1270F4F6E587}" type="datetimeFigureOut">
               <a:rPr lang="en-US" smtClean="0"/>
-              <a:t>6/13/2019</a:t>
+              <a:t>7/7/2019</a:t>
             </a:fld>
             <a:endParaRPr lang="en-US"/>
           </a:p>
@@ -906,7 +906,7 @@
           <a:p>
             <a:fld id="{D3853345-A581-455E-9661-1270F4F6E587}" type="datetimeFigureOut">
               <a:rPr lang="en-US" smtClean="0"/>
-              <a:t>6/13/2019</a:t>
+              <a:t>7/7/2019</a:t>
             </a:fld>
             <a:endParaRPr lang="en-US"/>
           </a:p>
@@ -1181,7 +1181,7 @@
           <a:p>
             <a:fld id="{D3853345-A581-455E-9661-1270F4F6E587}" type="datetimeFigureOut">
               <a:rPr lang="en-US" smtClean="0"/>
-              <a:t>6/13/2019</a:t>
+              <a:t>7/7/2019</a:t>
             </a:fld>
             <a:endParaRPr lang="en-US"/>
           </a:p>
@@ -1446,7 +1446,7 @@
           <a:p>
             <a:fld id="{D3853345-A581-455E-9661-1270F4F6E587}" type="datetimeFigureOut">
               <a:rPr lang="en-US" smtClean="0"/>
-              <a:t>6/13/2019</a:t>
+              <a:t>7/7/2019</a:t>
             </a:fld>
             <a:endParaRPr lang="en-US"/>
           </a:p>
@@ -1858,7 +1858,7 @@
           <a:p>
             <a:fld id="{D3853345-A581-455E-9661-1270F4F6E587}" type="datetimeFigureOut">
               <a:rPr lang="en-US" smtClean="0"/>
-              <a:t>6/13/2019</a:t>
+              <a:t>7/7/2019</a:t>
             </a:fld>
             <a:endParaRPr lang="en-US"/>
           </a:p>
@@ -1999,7 +1999,7 @@
           <a:p>
             <a:fld id="{D3853345-A581-455E-9661-1270F4F6E587}" type="datetimeFigureOut">
               <a:rPr lang="en-US" smtClean="0"/>
-              <a:t>6/13/2019</a:t>
+              <a:t>7/7/2019</a:t>
             </a:fld>
             <a:endParaRPr lang="en-US"/>
           </a:p>
@@ -2112,7 +2112,7 @@
           <a:p>
             <a:fld id="{D3853345-A581-455E-9661-1270F4F6E587}" type="datetimeFigureOut">
               <a:rPr lang="en-US" smtClean="0"/>
-              <a:t>6/13/2019</a:t>
+              <a:t>7/7/2019</a:t>
             </a:fld>
             <a:endParaRPr lang="en-US"/>
           </a:p>
@@ -2428,7 +2428,7 @@
           <a:p>
             <a:fld id="{D3853345-A581-455E-9661-1270F4F6E587}" type="datetimeFigureOut">
               <a:rPr lang="en-US" smtClean="0"/>
-              <a:t>6/13/2019</a:t>
+              <a:t>7/7/2019</a:t>
             </a:fld>
             <a:endParaRPr lang="en-US"/>
           </a:p>
@@ -2721,7 +2721,7 @@
           <a:p>
             <a:fld id="{D3853345-A581-455E-9661-1270F4F6E587}" type="datetimeFigureOut">
               <a:rPr lang="en-US" smtClean="0"/>
-              <a:t>6/13/2019</a:t>
+              <a:t>7/7/2019</a:t>
             </a:fld>
             <a:endParaRPr lang="en-US"/>
           </a:p>
@@ -2962,7 +2962,7 @@
           <a:p>
             <a:fld id="{D3853345-A581-455E-9661-1270F4F6E587}" type="datetimeFigureOut">
               <a:rPr lang="en-US" smtClean="0"/>
-              <a:t>6/13/2019</a:t>
+              <a:t>7/7/2019</a:t>
             </a:fld>
             <a:endParaRPr lang="en-US"/>
           </a:p>
@@ -3818,11 +3818,11 @@
                   <a:srgbClr val="00B050"/>
                 </a:solidFill>
               </a:rPr>
-              <a:t>That bag is too heavy</a:t>
-            </a:r>
-            <a:r>
-              <a:rPr lang="en-US" dirty="0"/>
-              <a:t>.") </a:t>
+              <a:t>That bag is too heavy.</a:t>
+            </a:r>
+            <a:r>
+              <a:rPr lang="en-US" dirty="0"/>
+              <a:t>") </a:t>
             </a:r>
           </a:p>
           <a:p>
@@ -3847,11 +3847,11 @@
                   <a:srgbClr val="00B050"/>
                 </a:solidFill>
               </a:rPr>
-              <a:t>There will be a $25 charge</a:t>
-            </a:r>
-            <a:r>
-              <a:rPr lang="en-US" dirty="0"/>
-              <a:t>.") </a:t>
+              <a:t>There will be a $25 charge.</a:t>
+            </a:r>
+            <a:r>
+              <a:rPr lang="en-US" dirty="0"/>
+              <a:t>") </a:t>
             </a:r>
           </a:p>
           <a:p>
@@ -3876,11 +3876,11 @@
                   <a:srgbClr val="00B050"/>
                 </a:solidFill>
               </a:rPr>
-              <a:t>Thank you for your business</a:t>
-            </a:r>
-            <a:r>
-              <a:rPr lang="en-US" dirty="0"/>
-              <a:t>.") </a:t>
+              <a:t>Thank you for your business.</a:t>
+            </a:r>
+            <a:r>
+              <a:rPr lang="en-US" dirty="0"/>
+              <a:t>") </a:t>
             </a:r>
           </a:p>
           <a:p>
@@ -5524,12 +5524,6 @@
             <a:r>
               <a:rPr lang="en-US" sz="3600" dirty="0"/>
               <a:t>To understand how to use decision structures</a:t>
-            </a:r>
-          </a:p>
-          <a:p>
-            <a:r>
-              <a:rPr lang="en-US" sz="3600" dirty="0"/>
-              <a:t> To understand how to use decision structures</a:t>
             </a:r>
           </a:p>
           <a:p>
@@ -9607,7 +9601,7 @@
           <a:lstStyle/>
           <a:p>
             <a:r>
-              <a:rPr lang="en-US" dirty="0"/>
+              <a:rPr lang="en-US" sz="3600" dirty="0"/>
               <a:t> In today’s class, we introduce the code </a:t>
             </a:r>
           </a:p>
@@ -9616,11 +9610,11 @@
               <a:buNone/>
             </a:pPr>
             <a:r>
-              <a:rPr lang="en-US" dirty="0"/>
+              <a:rPr lang="en-US" sz="3600" dirty="0"/>
               <a:t>   </a:t>
             </a:r>
             <a:r>
-              <a:rPr lang="en-US" dirty="0">
+              <a:rPr lang="en-US" sz="3600" dirty="0">
                 <a:solidFill>
                   <a:srgbClr val="0070C0"/>
                 </a:solidFill>
@@ -9628,11 +9622,11 @@
               <a:t>def</a:t>
             </a:r>
             <a:r>
-              <a:rPr lang="en-US" dirty="0"/>
+              <a:rPr lang="en-US" sz="3600" dirty="0"/>
               <a:t> </a:t>
             </a:r>
             <a:r>
-              <a:rPr lang="en-US" dirty="0">
+              <a:rPr lang="en-US" sz="3600" dirty="0">
                 <a:solidFill>
                   <a:srgbClr val="FF0000"/>
                 </a:solidFill>
@@ -9640,7 +9634,7 @@
               <a:t>main</a:t>
             </a:r>
             <a:r>
-              <a:rPr lang="en-US" dirty="0"/>
+              <a:rPr lang="en-US" sz="3600" dirty="0"/>
               <a:t>(): </a:t>
             </a:r>
           </a:p>
@@ -9649,19 +9643,19 @@
               <a:buNone/>
             </a:pPr>
             <a:r>
-              <a:rPr lang="en-US" dirty="0"/>
+              <a:rPr lang="en-US" sz="3600" dirty="0"/>
               <a:t>   as the first line of code in our file</a:t>
             </a:r>
           </a:p>
           <a:p>
             <a:r>
-              <a:rPr lang="en-US" dirty="0"/>
+              <a:rPr lang="en-US" sz="3600" dirty="0"/>
               <a:t>main() is an example of a function </a:t>
             </a:r>
           </a:p>
           <a:p>
             <a:r>
-              <a:rPr lang="en-US" dirty="0"/>
+              <a:rPr lang="en-US" sz="3600" dirty="0"/>
               <a:t>We can use functions to organize our code </a:t>
             </a:r>
           </a:p>
@@ -9670,7 +9664,7 @@
               <a:buNone/>
             </a:pPr>
             <a:r>
-              <a:rPr lang="en-US" dirty="0"/>
+              <a:rPr lang="en-US" sz="3600" dirty="0"/>
               <a:t>   –We’ll cover them in detail later</a:t>
             </a:r>
           </a:p>
@@ -9733,39 +9727,41 @@
         </p:nvSpPr>
         <p:spPr/>
         <p:txBody>
+          <a:bodyPr>
+            <a:normAutofit/>
+          </a:bodyPr>
+          <a:lstStyle/>
+          <a:p>
+            <a:r>
+              <a:rPr lang="en-US" sz="4800" b="1" dirty="0"/>
+              <a:t>Functions</a:t>
+            </a:r>
+          </a:p>
+        </p:txBody>
+      </p:sp>
+      <p:sp>
+        <p:nvSpPr>
+          <p:cNvPr id="3" name="Content Placeholder 2">
+            <a:extLst>
+              <a:ext uri="{FF2B5EF4-FFF2-40B4-BE49-F238E27FC236}">
+                <a16:creationId xmlns:a16="http://schemas.microsoft.com/office/drawing/2014/main" id="{4B45C7BB-AEED-4E25-A81E-11314B487BCD}"/>
+              </a:ext>
+            </a:extLst>
+          </p:cNvPr>
+          <p:cNvSpPr>
+            <a:spLocks noGrp="1"/>
+          </p:cNvSpPr>
+          <p:nvPr>
+            <p:ph idx="1"/>
+          </p:nvPr>
+        </p:nvSpPr>
+        <p:spPr/>
+        <p:txBody>
           <a:bodyPr/>
           <a:lstStyle/>
           <a:p>
             <a:r>
-              <a:rPr lang="en-US" b="1" dirty="0"/>
-              <a:t>Functions</a:t>
-            </a:r>
-          </a:p>
-        </p:txBody>
-      </p:sp>
-      <p:sp>
-        <p:nvSpPr>
-          <p:cNvPr id="3" name="Content Placeholder 2">
-            <a:extLst>
-              <a:ext uri="{FF2B5EF4-FFF2-40B4-BE49-F238E27FC236}">
-                <a16:creationId xmlns:a16="http://schemas.microsoft.com/office/drawing/2014/main" id="{4B45C7BB-AEED-4E25-A81E-11314B487BCD}"/>
-              </a:ext>
-            </a:extLst>
-          </p:cNvPr>
-          <p:cNvSpPr>
-            <a:spLocks noGrp="1"/>
-          </p:cNvSpPr>
-          <p:nvPr>
-            <p:ph idx="1"/>
-          </p:nvPr>
-        </p:nvSpPr>
-        <p:spPr/>
-        <p:txBody>
-          <a:bodyPr/>
-          <a:lstStyle/>
-          <a:p>
-            <a:r>
-              <a:rPr lang="en-US" dirty="0"/>
+              <a:rPr lang="en-US" sz="3600" dirty="0"/>
               <a:t>For now, think of functions as something similar to a variable </a:t>
             </a:r>
           </a:p>
@@ -9774,7 +9770,7 @@
               <a:buNone/>
             </a:pPr>
             <a:r>
-              <a:rPr lang="en-US" dirty="0"/>
+              <a:rPr lang="en-US" sz="3600" dirty="0"/>
               <a:t>   –Variables hold data </a:t>
             </a:r>
           </a:p>
@@ -9783,7 +9779,7 @@
               <a:buNone/>
             </a:pPr>
             <a:r>
-              <a:rPr lang="en-US" dirty="0"/>
+              <a:rPr lang="en-US" sz="3600" dirty="0"/>
               <a:t>   –Functions hold code</a:t>
             </a:r>
           </a:p>
@@ -9791,17 +9787,17 @@
             <a:pPr marL="0" indent="0">
               <a:buNone/>
             </a:pPr>
-            <a:endParaRPr lang="en-US" dirty="0"/>
-          </a:p>
-          <a:p>
-            <a:r>
-              <a:rPr lang="en-US" dirty="0"/>
+            <a:endParaRPr lang="en-US" sz="3600" dirty="0"/>
+          </a:p>
+          <a:p>
+            <a:r>
+              <a:rPr lang="en-US" sz="3600" dirty="0"/>
               <a:t>We use the variable’s name to access its data</a:t>
             </a:r>
           </a:p>
           <a:p>
             <a:r>
-              <a:rPr lang="en-US" dirty="0"/>
+              <a:rPr lang="en-US" sz="3600" dirty="0"/>
               <a:t>We use the function’s name to access its code</a:t>
             </a:r>
           </a:p>
@@ -10158,11 +10154,13 @@
         </p:nvSpPr>
         <p:spPr/>
         <p:txBody>
-          <a:bodyPr/>
-          <a:lstStyle/>
-          <a:p>
-            <a:r>
-              <a:rPr lang="en-US" b="1" dirty="0"/>
+          <a:bodyPr>
+            <a:normAutofit fontScale="90000"/>
+          </a:bodyPr>
+          <a:lstStyle/>
+          <a:p>
+            <a:r>
+              <a:rPr lang="en-US" sz="5300" b="1" dirty="0"/>
               <a:t>Control Structures</a:t>
             </a:r>
             <a:br>
@@ -10190,32 +10188,34 @@
         </p:nvSpPr>
         <p:spPr/>
         <p:txBody>
-          <a:bodyPr/>
-          <a:lstStyle/>
-          <a:p>
-            <a:r>
-              <a:rPr lang="en-US" dirty="0"/>
+          <a:bodyPr>
+            <a:normAutofit/>
+          </a:bodyPr>
+          <a:lstStyle/>
+          <a:p>
+            <a:r>
+              <a:rPr lang="en-US" sz="3600" dirty="0"/>
               <a:t>Structures that control how the program “flows” or operates, and in what order </a:t>
             </a:r>
           </a:p>
           <a:p>
-            <a:endParaRPr lang="en-US" dirty="0"/>
-          </a:p>
-          <a:p>
-            <a:r>
-              <a:rPr lang="en-US" dirty="0"/>
+            <a:endParaRPr lang="en-US" sz="3600" dirty="0"/>
+          </a:p>
+          <a:p>
+            <a:r>
+              <a:rPr lang="en-US" sz="3600" dirty="0"/>
               <a:t>Sequence </a:t>
             </a:r>
           </a:p>
           <a:p>
             <a:r>
-              <a:rPr lang="en-US" dirty="0"/>
+              <a:rPr lang="en-US" sz="3600" dirty="0"/>
               <a:t>Decision Making (Covering today)</a:t>
             </a:r>
           </a:p>
           <a:p>
             <a:r>
-              <a:rPr lang="en-US" dirty="0"/>
+              <a:rPr lang="en-US" sz="3600" dirty="0"/>
               <a:t>Loops (will be covering later)</a:t>
             </a:r>
           </a:p>

--- a/PYTHON_6_Decision Structures.pptx
+++ b/PYTHON_6_Decision Structures.pptx
@@ -297,7 +297,7 @@
           <a:p>
             <a:fld id="{D3853345-A581-455E-9661-1270F4F6E587}" type="datetimeFigureOut">
               <a:rPr lang="en-US" smtClean="0"/>
-              <a:t>7/7/2019</a:t>
+              <a:t>7/8/2019</a:t>
             </a:fld>
             <a:endParaRPr lang="en-US"/>
           </a:p>
@@ -500,7 +500,7 @@
           <a:p>
             <a:fld id="{D3853345-A581-455E-9661-1270F4F6E587}" type="datetimeFigureOut">
               <a:rPr lang="en-US" smtClean="0"/>
-              <a:t>7/7/2019</a:t>
+              <a:t>7/8/2019</a:t>
             </a:fld>
             <a:endParaRPr lang="en-US"/>
           </a:p>
@@ -708,7 +708,7 @@
           <a:p>
             <a:fld id="{D3853345-A581-455E-9661-1270F4F6E587}" type="datetimeFigureOut">
               <a:rPr lang="en-US" smtClean="0"/>
-              <a:t>7/7/2019</a:t>
+              <a:t>7/8/2019</a:t>
             </a:fld>
             <a:endParaRPr lang="en-US"/>
           </a:p>
@@ -906,7 +906,7 @@
           <a:p>
             <a:fld id="{D3853345-A581-455E-9661-1270F4F6E587}" type="datetimeFigureOut">
               <a:rPr lang="en-US" smtClean="0"/>
-              <a:t>7/7/2019</a:t>
+              <a:t>7/8/2019</a:t>
             </a:fld>
             <a:endParaRPr lang="en-US"/>
           </a:p>
@@ -1181,7 +1181,7 @@
           <a:p>
             <a:fld id="{D3853345-A581-455E-9661-1270F4F6E587}" type="datetimeFigureOut">
               <a:rPr lang="en-US" smtClean="0"/>
-              <a:t>7/7/2019</a:t>
+              <a:t>7/8/2019</a:t>
             </a:fld>
             <a:endParaRPr lang="en-US"/>
           </a:p>
@@ -1446,7 +1446,7 @@
           <a:p>
             <a:fld id="{D3853345-A581-455E-9661-1270F4F6E587}" type="datetimeFigureOut">
               <a:rPr lang="en-US" smtClean="0"/>
-              <a:t>7/7/2019</a:t>
+              <a:t>7/8/2019</a:t>
             </a:fld>
             <a:endParaRPr lang="en-US"/>
           </a:p>
@@ -1858,7 +1858,7 @@
           <a:p>
             <a:fld id="{D3853345-A581-455E-9661-1270F4F6E587}" type="datetimeFigureOut">
               <a:rPr lang="en-US" smtClean="0"/>
-              <a:t>7/7/2019</a:t>
+              <a:t>7/8/2019</a:t>
             </a:fld>
             <a:endParaRPr lang="en-US"/>
           </a:p>
@@ -1999,7 +1999,7 @@
           <a:p>
             <a:fld id="{D3853345-A581-455E-9661-1270F4F6E587}" type="datetimeFigureOut">
               <a:rPr lang="en-US" smtClean="0"/>
-              <a:t>7/7/2019</a:t>
+              <a:t>7/8/2019</a:t>
             </a:fld>
             <a:endParaRPr lang="en-US"/>
           </a:p>
@@ -2112,7 +2112,7 @@
           <a:p>
             <a:fld id="{D3853345-A581-455E-9661-1270F4F6E587}" type="datetimeFigureOut">
               <a:rPr lang="en-US" smtClean="0"/>
-              <a:t>7/7/2019</a:t>
+              <a:t>7/8/2019</a:t>
             </a:fld>
             <a:endParaRPr lang="en-US"/>
           </a:p>
@@ -2428,7 +2428,7 @@
           <a:p>
             <a:fld id="{D3853345-A581-455E-9661-1270F4F6E587}" type="datetimeFigureOut">
               <a:rPr lang="en-US" smtClean="0"/>
-              <a:t>7/7/2019</a:t>
+              <a:t>7/8/2019</a:t>
             </a:fld>
             <a:endParaRPr lang="en-US"/>
           </a:p>
@@ -2721,7 +2721,7 @@
           <a:p>
             <a:fld id="{D3853345-A581-455E-9661-1270F4F6E587}" type="datetimeFigureOut">
               <a:rPr lang="en-US" smtClean="0"/>
-              <a:t>7/7/2019</a:t>
+              <a:t>7/8/2019</a:t>
             </a:fld>
             <a:endParaRPr lang="en-US"/>
           </a:p>
@@ -2962,7 +2962,7 @@
           <a:p>
             <a:fld id="{D3853345-A581-455E-9661-1270F4F6E587}" type="datetimeFigureOut">
               <a:rPr lang="en-US" smtClean="0"/>
-              <a:t>7/7/2019</a:t>
+              <a:t>7/8/2019</a:t>
             </a:fld>
             <a:endParaRPr lang="en-US"/>
           </a:p>
@@ -4034,7 +4034,15 @@
           <a:p>
             <a:r>
               <a:rPr lang="en-US" dirty="0"/>
-              <a:t> The body is a sequence of one or more statements indented under the if heading</a:t>
+              <a:t> The body is a sequence of one or more statements indented under the </a:t>
+            </a:r>
+            <a:r>
+              <a:rPr lang="en-US" b="1" dirty="0"/>
+              <a:t>if </a:t>
+            </a:r>
+            <a:r>
+              <a:rPr lang="en-US" dirty="0"/>
+              <a:t>heading</a:t>
             </a:r>
           </a:p>
           <a:p>
@@ -4298,16 +4306,7 @@
             </a:pPr>
             <a:r>
               <a:rPr lang="en-US" dirty="0"/>
-              <a:t>     –If the condition is True</a:t>
-            </a:r>
-          </a:p>
-          <a:p>
-            <a:pPr marL="0" indent="0">
-              <a:buNone/>
-            </a:pPr>
-            <a:r>
-              <a:rPr lang="en-US" dirty="0"/>
-              <a:t> • The statements in the body are executed </a:t>
+              <a:t>• The statements in the body are executed </a:t>
             </a:r>
             <a:br>
               <a:rPr lang="en-US" dirty="0"/>
@@ -4512,11 +4511,11 @@
                   <a:srgbClr val="00B050"/>
                 </a:solidFill>
               </a:rPr>
-              <a:t>What is temp in Celsius</a:t>
-            </a:r>
-            <a:r>
-              <a:rPr lang="en-US" dirty="0"/>
-              <a:t>? ")) </a:t>
+              <a:t>What is temp in Celsius?</a:t>
+            </a:r>
+            <a:r>
+              <a:rPr lang="en-US" dirty="0"/>
+              <a:t> ")) </a:t>
             </a:r>
           </a:p>
           <a:p>
@@ -9994,11 +9993,11 @@
                   <a:srgbClr val="00B050"/>
                 </a:solidFill>
               </a:rPr>
-              <a:t>is awesome</a:t>
-            </a:r>
-            <a:r>
-              <a:rPr lang="en-US" dirty="0"/>
-              <a:t>!") </a:t>
+              <a:t>is awesome!</a:t>
+            </a:r>
+            <a:r>
+              <a:rPr lang="en-US" dirty="0"/>
+              <a:t>") </a:t>
             </a:r>
           </a:p>
           <a:p>

--- a/PYTHON_6_Decision Structures.pptx
+++ b/PYTHON_6_Decision Structures.pptx
@@ -43,7 +43,9 @@
     <p:sldId id="331" r:id="rId37"/>
     <p:sldId id="332" r:id="rId38"/>
     <p:sldId id="333" r:id="rId39"/>
-    <p:sldId id="296" r:id="rId40"/>
+    <p:sldId id="334" r:id="rId40"/>
+    <p:sldId id="335" r:id="rId41"/>
+    <p:sldId id="296" r:id="rId42"/>
   </p:sldIdLst>
   <p:sldSz cx="12192000" cy="6858000"/>
   <p:notesSz cx="6858000" cy="9144000"/>
@@ -9492,7 +9494,7 @@
           <p:cNvPr id="2" name="Title 1">
             <a:extLst>
               <a:ext uri="{FF2B5EF4-FFF2-40B4-BE49-F238E27FC236}">
-                <a16:creationId xmlns:a16="http://schemas.microsoft.com/office/drawing/2014/main" id="{F8B20C21-AD64-4AA3-9F67-C0338C4D177A}"/>
+                <a16:creationId xmlns:a16="http://schemas.microsoft.com/office/drawing/2014/main" id="{A9A95422-DCD8-4590-BBB2-2DC193F58F7B}"/>
               </a:ext>
             </a:extLst>
           </p:cNvPr>
@@ -9503,27 +9505,83 @@
             <p:ph type="title"/>
           </p:nvPr>
         </p:nvSpPr>
-        <p:spPr>
-          <a:xfrm>
-            <a:off x="4003431" y="2376805"/>
-            <a:ext cx="3987018" cy="1325563"/>
-          </a:xfrm>
-        </p:spPr>
+        <p:spPr/>
         <p:txBody>
           <a:bodyPr/>
           <a:lstStyle/>
           <a:p>
             <a:r>
               <a:rPr lang="en-US" b="1" dirty="0"/>
-              <a:t>Any Questions?</a:t>
-            </a:r>
+              <a:t>Nested Decision Structure Example </a:t>
+            </a:r>
+            <a:endParaRPr lang="en-US" dirty="0"/>
+          </a:p>
+        </p:txBody>
+      </p:sp>
+      <p:sp>
+        <p:nvSpPr>
+          <p:cNvPr id="3" name="Content Placeholder 2">
+            <a:extLst>
+              <a:ext uri="{FF2B5EF4-FFF2-40B4-BE49-F238E27FC236}">
+                <a16:creationId xmlns:a16="http://schemas.microsoft.com/office/drawing/2014/main" id="{4DBF0F0A-53B6-4E35-BD00-7BA2AEBB9DCC}"/>
+              </a:ext>
+            </a:extLst>
+          </p:cNvPr>
+          <p:cNvSpPr>
+            <a:spLocks noGrp="1"/>
+          </p:cNvSpPr>
+          <p:nvPr>
+            <p:ph idx="1"/>
+          </p:nvPr>
+        </p:nvSpPr>
+        <p:spPr/>
+        <p:txBody>
+          <a:bodyPr>
+            <a:normAutofit/>
+          </a:bodyPr>
+          <a:lstStyle/>
+          <a:p>
+            <a:r>
+              <a:rPr lang="en-US" sz="3200" dirty="0"/>
+              <a:t>Use the </a:t>
+            </a:r>
+            <a:r>
+              <a:rPr lang="en-US" sz="3200" dirty="0">
+                <a:solidFill>
+                  <a:srgbClr val="00B0F0"/>
+                </a:solidFill>
+              </a:rPr>
+              <a:t>input</a:t>
+            </a:r>
+            <a:r>
+              <a:rPr lang="en-US" sz="3200" dirty="0"/>
+              <a:t> keyword to take a numerical value from the user and find out whether it is negative, positive or zero. </a:t>
+            </a:r>
+          </a:p>
+          <a:p>
+            <a:endParaRPr lang="en-US" sz="3200" dirty="0"/>
+          </a:p>
+          <a:p>
+            <a:r>
+              <a:rPr lang="en-US" sz="3200" dirty="0"/>
+              <a:t>Type a Python program to find the largest number among the three input numbers</a:t>
+            </a:r>
+          </a:p>
+          <a:p>
+            <a:endParaRPr lang="en-US" sz="3200" dirty="0"/>
+          </a:p>
+          <a:p>
+            <a:pPr marL="0" indent="0">
+              <a:buNone/>
+            </a:pPr>
+            <a:endParaRPr lang="en-US" sz="3200" dirty="0"/>
           </a:p>
         </p:txBody>
       </p:sp>
     </p:spTree>
     <p:extLst>
       <p:ext uri="{BB962C8B-B14F-4D97-AF65-F5344CB8AC3E}">
-        <p14:creationId xmlns:p14="http://schemas.microsoft.com/office/powerpoint/2010/main" val="147127613"/>
+        <p14:creationId xmlns:p14="http://schemas.microsoft.com/office/powerpoint/2010/main" val="1398102623"/>
       </p:ext>
     </p:extLst>
   </p:cSld>
@@ -9682,6 +9740,173 @@
     <p:extLst>
       <p:ext uri="{BB962C8B-B14F-4D97-AF65-F5344CB8AC3E}">
         <p14:creationId xmlns:p14="http://schemas.microsoft.com/office/powerpoint/2010/main" val="3386891962"/>
+      </p:ext>
+    </p:extLst>
+  </p:cSld>
+  <p:clrMapOvr>
+    <a:masterClrMapping/>
+  </p:clrMapOvr>
+</p:sld>
+</file>
+
+<file path=ppt/slides/slide40.xml><?xml version="1.0" encoding="utf-8"?>
+<p:sld xmlns:a="http://schemas.openxmlformats.org/drawingml/2006/main" xmlns:r="http://schemas.openxmlformats.org/officeDocument/2006/relationships" xmlns:p="http://schemas.openxmlformats.org/presentationml/2006/main">
+  <p:cSld>
+    <p:spTree>
+      <p:nvGrpSpPr>
+        <p:cNvPr id="1" name=""/>
+        <p:cNvGrpSpPr/>
+        <p:nvPr/>
+      </p:nvGrpSpPr>
+      <p:grpSpPr>
+        <a:xfrm>
+          <a:off x="0" y="0"/>
+          <a:ext cx="0" cy="0"/>
+          <a:chOff x="0" y="0"/>
+          <a:chExt cx="0" cy="0"/>
+        </a:xfrm>
+      </p:grpSpPr>
+      <p:sp>
+        <p:nvSpPr>
+          <p:cNvPr id="2" name="Title 1">
+            <a:extLst>
+              <a:ext uri="{FF2B5EF4-FFF2-40B4-BE49-F238E27FC236}">
+                <a16:creationId xmlns:a16="http://schemas.microsoft.com/office/drawing/2014/main" id="{9E268D10-09E9-4CE2-B130-784586820FB2}"/>
+              </a:ext>
+            </a:extLst>
+          </p:cNvPr>
+          <p:cNvSpPr>
+            <a:spLocks noGrp="1"/>
+          </p:cNvSpPr>
+          <p:nvPr>
+            <p:ph type="title"/>
+          </p:nvPr>
+        </p:nvSpPr>
+        <p:spPr/>
+        <p:txBody>
+          <a:bodyPr/>
+          <a:lstStyle/>
+          <a:p>
+            <a:r>
+              <a:rPr lang="en-US" b="1" dirty="0"/>
+              <a:t>Link </a:t>
+            </a:r>
+          </a:p>
+        </p:txBody>
+      </p:sp>
+      <p:sp>
+        <p:nvSpPr>
+          <p:cNvPr id="3" name="Content Placeholder 2">
+            <a:extLst>
+              <a:ext uri="{FF2B5EF4-FFF2-40B4-BE49-F238E27FC236}">
+                <a16:creationId xmlns:a16="http://schemas.microsoft.com/office/drawing/2014/main" id="{79B3DC95-2CC0-4B73-ABE6-F41A1B640B78}"/>
+              </a:ext>
+            </a:extLst>
+          </p:cNvPr>
+          <p:cNvSpPr>
+            <a:spLocks noGrp="1"/>
+          </p:cNvSpPr>
+          <p:nvPr>
+            <p:ph idx="1"/>
+          </p:nvPr>
+        </p:nvSpPr>
+        <p:spPr/>
+        <p:txBody>
+          <a:bodyPr/>
+          <a:lstStyle/>
+          <a:p>
+            <a:r>
+              <a:rPr lang="en-US" dirty="0">
+                <a:hlinkClick r:id="rId2"/>
+              </a:rPr>
+              <a:t>https://www.programiz.com/python-programming/examples/positive-negative-zero</a:t>
+            </a:r>
+            <a:endParaRPr lang="en-US" dirty="0"/>
+          </a:p>
+          <a:p>
+            <a:endParaRPr lang="en-US" dirty="0"/>
+          </a:p>
+          <a:p>
+            <a:r>
+              <a:rPr lang="en-US" dirty="0">
+                <a:hlinkClick r:id="rId3"/>
+              </a:rPr>
+              <a:t>https://www.programiz.com/python-programming/examples/largest-number-three</a:t>
+            </a:r>
+            <a:r>
+              <a:rPr lang="en-US" dirty="0"/>
+              <a:t> </a:t>
+            </a:r>
+          </a:p>
+        </p:txBody>
+      </p:sp>
+    </p:spTree>
+    <p:extLst>
+      <p:ext uri="{BB962C8B-B14F-4D97-AF65-F5344CB8AC3E}">
+        <p14:creationId xmlns:p14="http://schemas.microsoft.com/office/powerpoint/2010/main" val="994799831"/>
+      </p:ext>
+    </p:extLst>
+  </p:cSld>
+  <p:clrMapOvr>
+    <a:masterClrMapping/>
+  </p:clrMapOvr>
+</p:sld>
+</file>
+
+<file path=ppt/slides/slide41.xml><?xml version="1.0" encoding="utf-8"?>
+<p:sld xmlns:a="http://schemas.openxmlformats.org/drawingml/2006/main" xmlns:r="http://schemas.openxmlformats.org/officeDocument/2006/relationships" xmlns:p="http://schemas.openxmlformats.org/presentationml/2006/main">
+  <p:cSld>
+    <p:spTree>
+      <p:nvGrpSpPr>
+        <p:cNvPr id="1" name=""/>
+        <p:cNvGrpSpPr/>
+        <p:nvPr/>
+      </p:nvGrpSpPr>
+      <p:grpSpPr>
+        <a:xfrm>
+          <a:off x="0" y="0"/>
+          <a:ext cx="0" cy="0"/>
+          <a:chOff x="0" y="0"/>
+          <a:chExt cx="0" cy="0"/>
+        </a:xfrm>
+      </p:grpSpPr>
+      <p:sp>
+        <p:nvSpPr>
+          <p:cNvPr id="2" name="Title 1">
+            <a:extLst>
+              <a:ext uri="{FF2B5EF4-FFF2-40B4-BE49-F238E27FC236}">
+                <a16:creationId xmlns:a16="http://schemas.microsoft.com/office/drawing/2014/main" id="{F8B20C21-AD64-4AA3-9F67-C0338C4D177A}"/>
+              </a:ext>
+            </a:extLst>
+          </p:cNvPr>
+          <p:cNvSpPr>
+            <a:spLocks noGrp="1"/>
+          </p:cNvSpPr>
+          <p:nvPr>
+            <p:ph type="title"/>
+          </p:nvPr>
+        </p:nvSpPr>
+        <p:spPr>
+          <a:xfrm>
+            <a:off x="4003431" y="2376805"/>
+            <a:ext cx="3987018" cy="1325563"/>
+          </a:xfrm>
+        </p:spPr>
+        <p:txBody>
+          <a:bodyPr/>
+          <a:lstStyle/>
+          <a:p>
+            <a:r>
+              <a:rPr lang="en-US" b="1" dirty="0"/>
+              <a:t>Any Questions?</a:t>
+            </a:r>
+          </a:p>
+        </p:txBody>
+      </p:sp>
+    </p:spTree>
+    <p:extLst>
+      <p:ext uri="{BB962C8B-B14F-4D97-AF65-F5344CB8AC3E}">
+        <p14:creationId xmlns:p14="http://schemas.microsoft.com/office/powerpoint/2010/main" val="147127613"/>
       </p:ext>
     </p:extLst>
   </p:cSld>
